--- a/ArrayDesignerGUI_Outline.pptx
+++ b/ArrayDesignerGUI_Outline.pptx
@@ -244,7 +244,7 @@
           <a:p>
             <a:fld id="{9C9787FF-905A-EC4A-9224-B26EFC59CC86}" type="datetimeFigureOut">
               <a:rPr lang="en-US" smtClean="0"/>
-              <a:t>2/18/21</a:t>
+              <a:t>2/20/21</a:t>
             </a:fld>
             <a:endParaRPr lang="en-US"/>
           </a:p>
@@ -414,7 +414,7 @@
           <a:p>
             <a:fld id="{9C9787FF-905A-EC4A-9224-B26EFC59CC86}" type="datetimeFigureOut">
               <a:rPr lang="en-US" smtClean="0"/>
-              <a:t>2/18/21</a:t>
+              <a:t>2/20/21</a:t>
             </a:fld>
             <a:endParaRPr lang="en-US"/>
           </a:p>
@@ -594,7 +594,7 @@
           <a:p>
             <a:fld id="{9C9787FF-905A-EC4A-9224-B26EFC59CC86}" type="datetimeFigureOut">
               <a:rPr lang="en-US" smtClean="0"/>
-              <a:t>2/18/21</a:t>
+              <a:t>2/20/21</a:t>
             </a:fld>
             <a:endParaRPr lang="en-US"/>
           </a:p>
@@ -764,7 +764,7 @@
           <a:p>
             <a:fld id="{9C9787FF-905A-EC4A-9224-B26EFC59CC86}" type="datetimeFigureOut">
               <a:rPr lang="en-US" smtClean="0"/>
-              <a:t>2/18/21</a:t>
+              <a:t>2/20/21</a:t>
             </a:fld>
             <a:endParaRPr lang="en-US"/>
           </a:p>
@@ -1008,7 +1008,7 @@
           <a:p>
             <a:fld id="{9C9787FF-905A-EC4A-9224-B26EFC59CC86}" type="datetimeFigureOut">
               <a:rPr lang="en-US" smtClean="0"/>
-              <a:t>2/18/21</a:t>
+              <a:t>2/20/21</a:t>
             </a:fld>
             <a:endParaRPr lang="en-US"/>
           </a:p>
@@ -1240,7 +1240,7 @@
           <a:p>
             <a:fld id="{9C9787FF-905A-EC4A-9224-B26EFC59CC86}" type="datetimeFigureOut">
               <a:rPr lang="en-US" smtClean="0"/>
-              <a:t>2/18/21</a:t>
+              <a:t>2/20/21</a:t>
             </a:fld>
             <a:endParaRPr lang="en-US"/>
           </a:p>
@@ -1607,7 +1607,7 @@
           <a:p>
             <a:fld id="{9C9787FF-905A-EC4A-9224-B26EFC59CC86}" type="datetimeFigureOut">
               <a:rPr lang="en-US" smtClean="0"/>
-              <a:t>2/18/21</a:t>
+              <a:t>2/20/21</a:t>
             </a:fld>
             <a:endParaRPr lang="en-US"/>
           </a:p>
@@ -1725,7 +1725,7 @@
           <a:p>
             <a:fld id="{9C9787FF-905A-EC4A-9224-B26EFC59CC86}" type="datetimeFigureOut">
               <a:rPr lang="en-US" smtClean="0"/>
-              <a:t>2/18/21</a:t>
+              <a:t>2/20/21</a:t>
             </a:fld>
             <a:endParaRPr lang="en-US"/>
           </a:p>
@@ -1820,7 +1820,7 @@
           <a:p>
             <a:fld id="{9C9787FF-905A-EC4A-9224-B26EFC59CC86}" type="datetimeFigureOut">
               <a:rPr lang="en-US" smtClean="0"/>
-              <a:t>2/18/21</a:t>
+              <a:t>2/20/21</a:t>
             </a:fld>
             <a:endParaRPr lang="en-US"/>
           </a:p>
@@ -2097,7 +2097,7 @@
           <a:p>
             <a:fld id="{9C9787FF-905A-EC4A-9224-B26EFC59CC86}" type="datetimeFigureOut">
               <a:rPr lang="en-US" smtClean="0"/>
-              <a:t>2/18/21</a:t>
+              <a:t>2/20/21</a:t>
             </a:fld>
             <a:endParaRPr lang="en-US"/>
           </a:p>
@@ -2354,7 +2354,7 @@
           <a:p>
             <a:fld id="{9C9787FF-905A-EC4A-9224-B26EFC59CC86}" type="datetimeFigureOut">
               <a:rPr lang="en-US" smtClean="0"/>
-              <a:t>2/18/21</a:t>
+              <a:t>2/20/21</a:t>
             </a:fld>
             <a:endParaRPr lang="en-US"/>
           </a:p>
@@ -2567,7 +2567,7 @@
           <a:p>
             <a:fld id="{9C9787FF-905A-EC4A-9224-B26EFC59CC86}" type="datetimeFigureOut">
               <a:rPr lang="en-US" smtClean="0"/>
-              <a:t>2/18/21</a:t>
+              <a:t>2/20/21</a:t>
             </a:fld>
             <a:endParaRPr lang="en-US"/>
           </a:p>
@@ -5664,8 +5664,29 @@
                   <a:schemeClr val="tx1"/>
                 </a:solidFill>
               </a:rPr>
-              <a:t>- RUN ROI builder</a:t>
-            </a:r>
+              <a:t>- RUN ROI builder – ROI builder should include the </a:t>
+            </a:r>
+            <a:r>
+              <a:rPr lang="en-US" sz="1400" dirty="0" err="1">
+                <a:solidFill>
+                  <a:schemeClr val="tx1"/>
+                </a:solidFill>
+              </a:rPr>
+              <a:t>minOptodeSep</a:t>
+            </a:r>
+            <a:r>
+              <a:rPr lang="en-US" sz="1400">
+                <a:solidFill>
+                  <a:schemeClr val="tx1"/>
+                </a:solidFill>
+              </a:rPr>
+              <a:t> option</a:t>
+            </a:r>
+            <a:endParaRPr lang="en-US" sz="1400" dirty="0">
+              <a:solidFill>
+                <a:schemeClr val="tx1"/>
+              </a:solidFill>
+            </a:endParaRPr>
           </a:p>
         </p:txBody>
       </p:sp>

--- a/ArrayDesignerGUI_Outline.pptx
+++ b/ArrayDesignerGUI_Outline.pptx
@@ -244,7 +244,7 @@
           <a:p>
             <a:fld id="{9C9787FF-905A-EC4A-9224-B26EFC59CC86}" type="datetimeFigureOut">
               <a:rPr lang="en-US" smtClean="0"/>
-              <a:t>2/20/21</a:t>
+              <a:t>2/24/21</a:t>
             </a:fld>
             <a:endParaRPr lang="en-US"/>
           </a:p>
@@ -414,7 +414,7 @@
           <a:p>
             <a:fld id="{9C9787FF-905A-EC4A-9224-B26EFC59CC86}" type="datetimeFigureOut">
               <a:rPr lang="en-US" smtClean="0"/>
-              <a:t>2/20/21</a:t>
+              <a:t>2/24/21</a:t>
             </a:fld>
             <a:endParaRPr lang="en-US"/>
           </a:p>
@@ -594,7 +594,7 @@
           <a:p>
             <a:fld id="{9C9787FF-905A-EC4A-9224-B26EFC59CC86}" type="datetimeFigureOut">
               <a:rPr lang="en-US" smtClean="0"/>
-              <a:t>2/20/21</a:t>
+              <a:t>2/24/21</a:t>
             </a:fld>
             <a:endParaRPr lang="en-US"/>
           </a:p>
@@ -764,7 +764,7 @@
           <a:p>
             <a:fld id="{9C9787FF-905A-EC4A-9224-B26EFC59CC86}" type="datetimeFigureOut">
               <a:rPr lang="en-US" smtClean="0"/>
-              <a:t>2/20/21</a:t>
+              <a:t>2/24/21</a:t>
             </a:fld>
             <a:endParaRPr lang="en-US"/>
           </a:p>
@@ -1008,7 +1008,7 @@
           <a:p>
             <a:fld id="{9C9787FF-905A-EC4A-9224-B26EFC59CC86}" type="datetimeFigureOut">
               <a:rPr lang="en-US" smtClean="0"/>
-              <a:t>2/20/21</a:t>
+              <a:t>2/24/21</a:t>
             </a:fld>
             <a:endParaRPr lang="en-US"/>
           </a:p>
@@ -1240,7 +1240,7 @@
           <a:p>
             <a:fld id="{9C9787FF-905A-EC4A-9224-B26EFC59CC86}" type="datetimeFigureOut">
               <a:rPr lang="en-US" smtClean="0"/>
-              <a:t>2/20/21</a:t>
+              <a:t>2/24/21</a:t>
             </a:fld>
             <a:endParaRPr lang="en-US"/>
           </a:p>
@@ -1607,7 +1607,7 @@
           <a:p>
             <a:fld id="{9C9787FF-905A-EC4A-9224-B26EFC59CC86}" type="datetimeFigureOut">
               <a:rPr lang="en-US" smtClean="0"/>
-              <a:t>2/20/21</a:t>
+              <a:t>2/24/21</a:t>
             </a:fld>
             <a:endParaRPr lang="en-US"/>
           </a:p>
@@ -1725,7 +1725,7 @@
           <a:p>
             <a:fld id="{9C9787FF-905A-EC4A-9224-B26EFC59CC86}" type="datetimeFigureOut">
               <a:rPr lang="en-US" smtClean="0"/>
-              <a:t>2/20/21</a:t>
+              <a:t>2/24/21</a:t>
             </a:fld>
             <a:endParaRPr lang="en-US"/>
           </a:p>
@@ -1820,7 +1820,7 @@
           <a:p>
             <a:fld id="{9C9787FF-905A-EC4A-9224-B26EFC59CC86}" type="datetimeFigureOut">
               <a:rPr lang="en-US" smtClean="0"/>
-              <a:t>2/20/21</a:t>
+              <a:t>2/24/21</a:t>
             </a:fld>
             <a:endParaRPr lang="en-US"/>
           </a:p>
@@ -2097,7 +2097,7 @@
           <a:p>
             <a:fld id="{9C9787FF-905A-EC4A-9224-B26EFC59CC86}" type="datetimeFigureOut">
               <a:rPr lang="en-US" smtClean="0"/>
-              <a:t>2/20/21</a:t>
+              <a:t>2/24/21</a:t>
             </a:fld>
             <a:endParaRPr lang="en-US"/>
           </a:p>
@@ -2354,7 +2354,7 @@
           <a:p>
             <a:fld id="{9C9787FF-905A-EC4A-9224-B26EFC59CC86}" type="datetimeFigureOut">
               <a:rPr lang="en-US" smtClean="0"/>
-              <a:t>2/20/21</a:t>
+              <a:t>2/24/21</a:t>
             </a:fld>
             <a:endParaRPr lang="en-US"/>
           </a:p>
@@ -2567,7 +2567,7 @@
           <a:p>
             <a:fld id="{9C9787FF-905A-EC4A-9224-B26EFC59CC86}" type="datetimeFigureOut">
               <a:rPr lang="en-US" smtClean="0"/>
-              <a:t>2/20/21</a:t>
+              <a:t>2/24/21</a:t>
             </a:fld>
             <a:endParaRPr lang="en-US"/>
           </a:p>
@@ -5664,29 +5664,8 @@
                   <a:schemeClr val="tx1"/>
                 </a:solidFill>
               </a:rPr>
-              <a:t>- RUN ROI builder – ROI builder should include the </a:t>
-            </a:r>
-            <a:r>
-              <a:rPr lang="en-US" sz="1400" dirty="0" err="1">
-                <a:solidFill>
-                  <a:schemeClr val="tx1"/>
-                </a:solidFill>
-              </a:rPr>
-              <a:t>minOptodeSep</a:t>
-            </a:r>
-            <a:r>
-              <a:rPr lang="en-US" sz="1400">
-                <a:solidFill>
-                  <a:schemeClr val="tx1"/>
-                </a:solidFill>
-              </a:rPr>
-              <a:t> option</a:t>
-            </a:r>
-            <a:endParaRPr lang="en-US" sz="1400" dirty="0">
-              <a:solidFill>
-                <a:schemeClr val="tx1"/>
-              </a:solidFill>
-            </a:endParaRPr>
+              <a:t>- RUN ROI builder</a:t>
+            </a:r>
           </a:p>
         </p:txBody>
       </p:sp>
